--- a/Module 1/Week 1/Intro to Analytical Workflows.pptx
+++ b/Module 1/Week 1/Intro to Analytical Workflows.pptx
@@ -7,7 +7,8 @@
   <p:sldIdLst>
     <p:sldId id="256" r:id="rId2"/>
     <p:sldId id="257" r:id="rId3"/>
-    <p:sldId id="258" r:id="rId4"/>
+    <p:sldId id="260" r:id="rId4"/>
+    <p:sldId id="258" r:id="rId5"/>
   </p:sldIdLst>
   <p:sldSz cx="12192000" cy="6858000"/>
   <p:notesSz cx="6858000" cy="9144000"/>
@@ -106,6 +107,11 @@
       </a:defRPr>
     </a:lvl9pPr>
   </p:defaultTextStyle>
+  <p:extLst>
+    <p:ext uri="{EFAFB233-063F-42B5-8137-9DF3F51BA10A}">
+      <p15:sldGuideLst xmlns:p15="http://schemas.microsoft.com/office/powerpoint/2012/main"/>
+    </p:ext>
+  </p:extLst>
 </p:presentation>
 </file>
 
@@ -20194,6 +20200,110 @@
           <p:cNvPr id="2" name="Title 1">
             <a:extLst>
               <a:ext uri="{FF2B5EF4-FFF2-40B4-BE49-F238E27FC236}">
+                <a16:creationId xmlns:a16="http://schemas.microsoft.com/office/drawing/2014/main" id="{C8A36009-9157-4C2A-9818-B1C223DBAF6B}"/>
+              </a:ext>
+            </a:extLst>
+          </p:cNvPr>
+          <p:cNvSpPr>
+            <a:spLocks noGrp="1"/>
+          </p:cNvSpPr>
+          <p:nvPr>
+            <p:ph type="title"/>
+          </p:nvPr>
+        </p:nvSpPr>
+        <p:spPr/>
+        <p:txBody>
+          <a:bodyPr/>
+          <a:lstStyle/>
+          <a:p>
+            <a:r>
+              <a:rPr lang="en-US" dirty="0"/>
+              <a:t>Introductions</a:t>
+            </a:r>
+          </a:p>
+        </p:txBody>
+      </p:sp>
+      <p:sp>
+        <p:nvSpPr>
+          <p:cNvPr id="3" name="Content Placeholder 2">
+            <a:extLst>
+              <a:ext uri="{FF2B5EF4-FFF2-40B4-BE49-F238E27FC236}">
+                <a16:creationId xmlns:a16="http://schemas.microsoft.com/office/drawing/2014/main" id="{4B1C6669-EC88-C937-D413-1439252D0717}"/>
+              </a:ext>
+            </a:extLst>
+          </p:cNvPr>
+          <p:cNvSpPr>
+            <a:spLocks noGrp="1"/>
+          </p:cNvSpPr>
+          <p:nvPr>
+            <p:ph idx="1"/>
+          </p:nvPr>
+        </p:nvSpPr>
+        <p:spPr/>
+        <p:txBody>
+          <a:bodyPr/>
+          <a:lstStyle/>
+          <a:p>
+            <a:r>
+              <a:rPr lang="en-US" dirty="0"/>
+              <a:t>Preferred name</a:t>
+            </a:r>
+          </a:p>
+          <a:p>
+            <a:r>
+              <a:rPr lang="en-US" dirty="0"/>
+              <a:t>Pronouns</a:t>
+            </a:r>
+          </a:p>
+          <a:p>
+            <a:r>
+              <a:rPr lang="en-US" dirty="0"/>
+              <a:t>Major</a:t>
+            </a:r>
+          </a:p>
+          <a:p>
+            <a:r>
+              <a:rPr lang="en-US" dirty="0"/>
+              <a:t>What did you do over spring break?</a:t>
+            </a:r>
+          </a:p>
+        </p:txBody>
+      </p:sp>
+    </p:spTree>
+    <p:extLst>
+      <p:ext uri="{BB962C8B-B14F-4D97-AF65-F5344CB8AC3E}">
+        <p14:creationId xmlns:p14="http://schemas.microsoft.com/office/powerpoint/2010/main" val="1348184030"/>
+      </p:ext>
+    </p:extLst>
+  </p:cSld>
+  <p:clrMapOvr>
+    <a:masterClrMapping/>
+  </p:clrMapOvr>
+</p:sld>
+</file>
+
+<file path=ppt/slides/slide4.xml><?xml version="1.0" encoding="utf-8"?>
+<p:sld xmlns:a="http://schemas.openxmlformats.org/drawingml/2006/main" xmlns:r="http://schemas.openxmlformats.org/officeDocument/2006/relationships" xmlns:p="http://schemas.openxmlformats.org/presentationml/2006/main">
+  <p:cSld>
+    <p:spTree>
+      <p:nvGrpSpPr>
+        <p:cNvPr id="1" name=""/>
+        <p:cNvGrpSpPr/>
+        <p:nvPr/>
+      </p:nvGrpSpPr>
+      <p:grpSpPr>
+        <a:xfrm>
+          <a:off x="0" y="0"/>
+          <a:ext cx="0" cy="0"/>
+          <a:chOff x="0" y="0"/>
+          <a:chExt cx="0" cy="0"/>
+        </a:xfrm>
+      </p:grpSpPr>
+      <p:sp>
+        <p:nvSpPr>
+          <p:cNvPr id="2" name="Title 1">
+            <a:extLst>
+              <a:ext uri="{FF2B5EF4-FFF2-40B4-BE49-F238E27FC236}">
                 <a16:creationId xmlns:a16="http://schemas.microsoft.com/office/drawing/2014/main" id="{EABDAB41-3CAC-8883-1F34-FF4E1F374B5F}"/>
               </a:ext>
             </a:extLst>

--- a/Module 1/Week 1/Intro to Analytical Workflows.pptx
+++ b/Module 1/Week 1/Intro to Analytical Workflows.pptx
@@ -8,7 +8,8 @@
     <p:sldId id="256" r:id="rId2"/>
     <p:sldId id="257" r:id="rId3"/>
     <p:sldId id="260" r:id="rId4"/>
-    <p:sldId id="258" r:id="rId5"/>
+    <p:sldId id="261" r:id="rId5"/>
+    <p:sldId id="258" r:id="rId6"/>
   </p:sldIdLst>
   <p:sldSz cx="12192000" cy="6858000"/>
   <p:notesSz cx="6858000" cy="9144000"/>
@@ -262,7 +263,7 @@
           <a:p>
             <a:fld id="{4F3D17B5-A2B7-4C0D-B312-E093CA74F757}" type="datetimeFigureOut">
               <a:rPr lang="en-US" smtClean="0"/>
-              <a:t>2/9/2025</a:t>
+              <a:t>2/17/2025</a:t>
             </a:fld>
             <a:endParaRPr lang="en-US"/>
           </a:p>
@@ -460,7 +461,7 @@
           <a:p>
             <a:fld id="{4F3D17B5-A2B7-4C0D-B312-E093CA74F757}" type="datetimeFigureOut">
               <a:rPr lang="en-US" smtClean="0"/>
-              <a:t>2/9/2025</a:t>
+              <a:t>2/17/2025</a:t>
             </a:fld>
             <a:endParaRPr lang="en-US"/>
           </a:p>
@@ -668,7 +669,7 @@
           <a:p>
             <a:fld id="{4F3D17B5-A2B7-4C0D-B312-E093CA74F757}" type="datetimeFigureOut">
               <a:rPr lang="en-US" smtClean="0"/>
-              <a:t>2/9/2025</a:t>
+              <a:t>2/17/2025</a:t>
             </a:fld>
             <a:endParaRPr lang="en-US"/>
           </a:p>
@@ -866,7 +867,7 @@
           <a:p>
             <a:fld id="{4F3D17B5-A2B7-4C0D-B312-E093CA74F757}" type="datetimeFigureOut">
               <a:rPr lang="en-US" smtClean="0"/>
-              <a:t>2/9/2025</a:t>
+              <a:t>2/17/2025</a:t>
             </a:fld>
             <a:endParaRPr lang="en-US"/>
           </a:p>
@@ -1141,7 +1142,7 @@
           <a:p>
             <a:fld id="{4F3D17B5-A2B7-4C0D-B312-E093CA74F757}" type="datetimeFigureOut">
               <a:rPr lang="en-US" smtClean="0"/>
-              <a:t>2/9/2025</a:t>
+              <a:t>2/17/2025</a:t>
             </a:fld>
             <a:endParaRPr lang="en-US"/>
           </a:p>
@@ -1406,7 +1407,7 @@
           <a:p>
             <a:fld id="{4F3D17B5-A2B7-4C0D-B312-E093CA74F757}" type="datetimeFigureOut">
               <a:rPr lang="en-US" smtClean="0"/>
-              <a:t>2/9/2025</a:t>
+              <a:t>2/17/2025</a:t>
             </a:fld>
             <a:endParaRPr lang="en-US"/>
           </a:p>
@@ -1818,7 +1819,7 @@
           <a:p>
             <a:fld id="{4F3D17B5-A2B7-4C0D-B312-E093CA74F757}" type="datetimeFigureOut">
               <a:rPr lang="en-US" smtClean="0"/>
-              <a:t>2/9/2025</a:t>
+              <a:t>2/17/2025</a:t>
             </a:fld>
             <a:endParaRPr lang="en-US"/>
           </a:p>
@@ -1959,7 +1960,7 @@
           <a:p>
             <a:fld id="{4F3D17B5-A2B7-4C0D-B312-E093CA74F757}" type="datetimeFigureOut">
               <a:rPr lang="en-US" smtClean="0"/>
-              <a:t>2/9/2025</a:t>
+              <a:t>2/17/2025</a:t>
             </a:fld>
             <a:endParaRPr lang="en-US"/>
           </a:p>
@@ -2072,7 +2073,7 @@
           <a:p>
             <a:fld id="{4F3D17B5-A2B7-4C0D-B312-E093CA74F757}" type="datetimeFigureOut">
               <a:rPr lang="en-US" smtClean="0"/>
-              <a:t>2/9/2025</a:t>
+              <a:t>2/17/2025</a:t>
             </a:fld>
             <a:endParaRPr lang="en-US"/>
           </a:p>
@@ -2383,7 +2384,7 @@
           <a:p>
             <a:fld id="{4F3D17B5-A2B7-4C0D-B312-E093CA74F757}" type="datetimeFigureOut">
               <a:rPr lang="en-US" smtClean="0"/>
-              <a:t>2/9/2025</a:t>
+              <a:t>2/17/2025</a:t>
             </a:fld>
             <a:endParaRPr lang="en-US"/>
           </a:p>
@@ -2671,7 +2672,7 @@
           <a:p>
             <a:fld id="{4F3D17B5-A2B7-4C0D-B312-E093CA74F757}" type="datetimeFigureOut">
               <a:rPr lang="en-US" smtClean="0"/>
-              <a:t>2/9/2025</a:t>
+              <a:t>2/17/2025</a:t>
             </a:fld>
             <a:endParaRPr lang="en-US"/>
           </a:p>
@@ -2912,7 +2913,7 @@
           <a:p>
             <a:fld id="{4F3D17B5-A2B7-4C0D-B312-E093CA74F757}" type="datetimeFigureOut">
               <a:rPr lang="en-US" smtClean="0"/>
-              <a:t>2/9/2025</a:t>
+              <a:t>2/17/2025</a:t>
             </a:fld>
             <a:endParaRPr lang="en-US"/>
           </a:p>
@@ -20267,6 +20268,9 @@
               <a:t>What did you do over spring break?</a:t>
             </a:r>
           </a:p>
+          <a:p>
+            <a:endParaRPr lang="en-US" dirty="0"/>
+          </a:p>
         </p:txBody>
       </p:sp>
     </p:spTree>
@@ -20283,6 +20287,89 @@
 </file>
 
 <file path=ppt/slides/slide4.xml><?xml version="1.0" encoding="utf-8"?>
+<p:sld xmlns:a="http://schemas.openxmlformats.org/drawingml/2006/main" xmlns:r="http://schemas.openxmlformats.org/officeDocument/2006/relationships" xmlns:p="http://schemas.openxmlformats.org/presentationml/2006/main">
+  <p:cSld>
+    <p:spTree>
+      <p:nvGrpSpPr>
+        <p:cNvPr id="1" name=""/>
+        <p:cNvGrpSpPr/>
+        <p:nvPr/>
+      </p:nvGrpSpPr>
+      <p:grpSpPr>
+        <a:xfrm>
+          <a:off x="0" y="0"/>
+          <a:ext cx="0" cy="0"/>
+          <a:chOff x="0" y="0"/>
+          <a:chExt cx="0" cy="0"/>
+        </a:xfrm>
+      </p:grpSpPr>
+      <p:sp>
+        <p:nvSpPr>
+          <p:cNvPr id="2" name="Title 1">
+            <a:extLst>
+              <a:ext uri="{FF2B5EF4-FFF2-40B4-BE49-F238E27FC236}">
+                <a16:creationId xmlns:a16="http://schemas.microsoft.com/office/drawing/2014/main" id="{30873695-6DB9-E529-1FD8-5E0C6F1F7031}"/>
+              </a:ext>
+            </a:extLst>
+          </p:cNvPr>
+          <p:cNvSpPr>
+            <a:spLocks noGrp="1"/>
+          </p:cNvSpPr>
+          <p:nvPr>
+            <p:ph type="title"/>
+          </p:nvPr>
+        </p:nvSpPr>
+        <p:spPr/>
+        <p:txBody>
+          <a:bodyPr/>
+          <a:lstStyle/>
+          <a:p>
+            <a:endParaRPr lang="en-US"/>
+          </a:p>
+        </p:txBody>
+      </p:sp>
+      <p:sp>
+        <p:nvSpPr>
+          <p:cNvPr id="3" name="Content Placeholder 2">
+            <a:extLst>
+              <a:ext uri="{FF2B5EF4-FFF2-40B4-BE49-F238E27FC236}">
+                <a16:creationId xmlns:a16="http://schemas.microsoft.com/office/drawing/2014/main" id="{C840CE20-8C2F-9B8C-FCA0-F9FAC9E92E14}"/>
+              </a:ext>
+            </a:extLst>
+          </p:cNvPr>
+          <p:cNvSpPr>
+            <a:spLocks noGrp="1"/>
+          </p:cNvSpPr>
+          <p:nvPr>
+            <p:ph idx="1"/>
+          </p:nvPr>
+        </p:nvSpPr>
+        <p:spPr/>
+        <p:txBody>
+          <a:bodyPr/>
+          <a:lstStyle/>
+          <a:p>
+            <a:r>
+              <a:rPr lang="en-US" dirty="0"/>
+              <a:t>What do you hope to gain from this course?</a:t>
+            </a:r>
+          </a:p>
+        </p:txBody>
+      </p:sp>
+    </p:spTree>
+    <p:extLst>
+      <p:ext uri="{BB962C8B-B14F-4D97-AF65-F5344CB8AC3E}">
+        <p14:creationId xmlns:p14="http://schemas.microsoft.com/office/powerpoint/2010/main" val="1675935840"/>
+      </p:ext>
+    </p:extLst>
+  </p:cSld>
+  <p:clrMapOvr>
+    <a:masterClrMapping/>
+  </p:clrMapOvr>
+</p:sld>
+</file>
+
+<file path=ppt/slides/slide5.xml><?xml version="1.0" encoding="utf-8"?>
 <p:sld xmlns:a="http://schemas.openxmlformats.org/drawingml/2006/main" xmlns:r="http://schemas.openxmlformats.org/officeDocument/2006/relationships" xmlns:p="http://schemas.openxmlformats.org/presentationml/2006/main">
   <p:cSld>
     <p:spTree>
